--- a/assets/tactile_image_files/0078-major_cities_in_Kentucky/0078-major_cities_in_Kentucky.pptx
+++ b/assets/tactile_image_files/0078-major_cities_in_Kentucky/0078-major_cities_in_Kentucky.pptx
@@ -253,7 +253,7 @@
           <a:p>
             <a:fld id="{E796F801-3BB8-A247-923B-F07F1B58D38A}" type="datetimeFigureOut">
               <a:rPr lang="en-US" smtClean="0"/>
-              <a:t>7/24/20</a:t>
+              <a:t>1/8/21</a:t>
             </a:fld>
             <a:endParaRPr lang="en-US"/>
           </a:p>
@@ -433,7 +433,7 @@
           <a:p>
             <a:fld id="{E796F801-3BB8-A247-923B-F07F1B58D38A}" type="datetimeFigureOut">
               <a:rPr lang="en-US" smtClean="0"/>
-              <a:t>7/24/20</a:t>
+              <a:t>1/8/21</a:t>
             </a:fld>
             <a:endParaRPr lang="en-US"/>
           </a:p>
@@ -603,7 +603,7 @@
           <a:p>
             <a:fld id="{E796F801-3BB8-A247-923B-F07F1B58D38A}" type="datetimeFigureOut">
               <a:rPr lang="en-US" smtClean="0"/>
-              <a:t>7/24/20</a:t>
+              <a:t>1/8/21</a:t>
             </a:fld>
             <a:endParaRPr lang="en-US"/>
           </a:p>
@@ -847,7 +847,7 @@
           <a:p>
             <a:fld id="{E796F801-3BB8-A247-923B-F07F1B58D38A}" type="datetimeFigureOut">
               <a:rPr lang="en-US" smtClean="0"/>
-              <a:t>7/24/20</a:t>
+              <a:t>1/8/21</a:t>
             </a:fld>
             <a:endParaRPr lang="en-US"/>
           </a:p>
@@ -1079,7 +1079,7 @@
           <a:p>
             <a:fld id="{E796F801-3BB8-A247-923B-F07F1B58D38A}" type="datetimeFigureOut">
               <a:rPr lang="en-US" smtClean="0"/>
-              <a:t>7/24/20</a:t>
+              <a:t>1/8/21</a:t>
             </a:fld>
             <a:endParaRPr lang="en-US"/>
           </a:p>
@@ -1446,7 +1446,7 @@
           <a:p>
             <a:fld id="{E796F801-3BB8-A247-923B-F07F1B58D38A}" type="datetimeFigureOut">
               <a:rPr lang="en-US" smtClean="0"/>
-              <a:t>7/24/20</a:t>
+              <a:t>1/8/21</a:t>
             </a:fld>
             <a:endParaRPr lang="en-US"/>
           </a:p>
@@ -1564,7 +1564,7 @@
           <a:p>
             <a:fld id="{E796F801-3BB8-A247-923B-F07F1B58D38A}" type="datetimeFigureOut">
               <a:rPr lang="en-US" smtClean="0"/>
-              <a:t>7/24/20</a:t>
+              <a:t>1/8/21</a:t>
             </a:fld>
             <a:endParaRPr lang="en-US"/>
           </a:p>
@@ -1659,7 +1659,7 @@
           <a:p>
             <a:fld id="{E796F801-3BB8-A247-923B-F07F1B58D38A}" type="datetimeFigureOut">
               <a:rPr lang="en-US" smtClean="0"/>
-              <a:t>7/24/20</a:t>
+              <a:t>1/8/21</a:t>
             </a:fld>
             <a:endParaRPr lang="en-US"/>
           </a:p>
@@ -1936,7 +1936,7 @@
           <a:p>
             <a:fld id="{E796F801-3BB8-A247-923B-F07F1B58D38A}" type="datetimeFigureOut">
               <a:rPr lang="en-US" smtClean="0"/>
-              <a:t>7/24/20</a:t>
+              <a:t>1/8/21</a:t>
             </a:fld>
             <a:endParaRPr lang="en-US"/>
           </a:p>
@@ -2193,7 +2193,7 @@
           <a:p>
             <a:fld id="{E796F801-3BB8-A247-923B-F07F1B58D38A}" type="datetimeFigureOut">
               <a:rPr lang="en-US" smtClean="0"/>
-              <a:t>7/24/20</a:t>
+              <a:t>1/8/21</a:t>
             </a:fld>
             <a:endParaRPr lang="en-US"/>
           </a:p>
@@ -2406,7 +2406,7 @@
           <a:p>
             <a:fld id="{E796F801-3BB8-A247-923B-F07F1B58D38A}" type="datetimeFigureOut">
               <a:rPr lang="en-US" smtClean="0"/>
-              <a:t>7/24/20</a:t>
+              <a:t>1/8/21</a:t>
             </a:fld>
             <a:endParaRPr lang="en-US"/>
           </a:p>
@@ -3578,7 +3578,7 @@
         </p:nvSpPr>
         <p:spPr>
           <a:xfrm>
-            <a:off x="3874770" y="2434590"/>
+            <a:off x="3906668" y="1381966"/>
             <a:ext cx="922047" cy="307777"/>
           </a:xfrm>
           <a:prstGeom prst="rect">
@@ -3654,7 +3654,7 @@
         </p:nvSpPr>
         <p:spPr>
           <a:xfrm>
-            <a:off x="6518910" y="5273040"/>
+            <a:off x="6784724" y="5708975"/>
             <a:ext cx="1159292" cy="307777"/>
           </a:xfrm>
           <a:prstGeom prst="rect">
@@ -3692,7 +3692,7 @@
         </p:nvSpPr>
         <p:spPr>
           <a:xfrm>
-            <a:off x="8042910" y="1927860"/>
+            <a:off x="8053542" y="1608883"/>
             <a:ext cx="832279" cy="307777"/>
           </a:xfrm>
           <a:prstGeom prst="rect">
@@ -3768,7 +3768,7 @@
         </p:nvSpPr>
         <p:spPr>
           <a:xfrm>
-            <a:off x="708660" y="3794760"/>
+            <a:off x="602335" y="2976053"/>
             <a:ext cx="891591" cy="307777"/>
           </a:xfrm>
           <a:prstGeom prst="rect">
@@ -3806,7 +3806,7 @@
         </p:nvSpPr>
         <p:spPr>
           <a:xfrm>
-            <a:off x="2423160" y="5120640"/>
+            <a:off x="2295570" y="5471514"/>
             <a:ext cx="1141659" cy="307777"/>
           </a:xfrm>
           <a:prstGeom prst="rect">
@@ -3844,7 +3844,7 @@
         </p:nvSpPr>
         <p:spPr>
           <a:xfrm>
-            <a:off x="2514600" y="2777490"/>
+            <a:off x="2514599" y="2107638"/>
             <a:ext cx="1099981" cy="307777"/>
           </a:xfrm>
           <a:prstGeom prst="rect">
@@ -3882,7 +3882,7 @@
         </p:nvSpPr>
         <p:spPr>
           <a:xfrm>
-            <a:off x="6568440" y="3996690"/>
+            <a:off x="6632235" y="4049853"/>
             <a:ext cx="780983" cy="307777"/>
           </a:xfrm>
           <a:prstGeom prst="rect">
@@ -3975,7 +3975,7 @@
         </p:nvSpPr>
         <p:spPr>
           <a:xfrm>
-            <a:off x="5783580" y="1200150"/>
+            <a:off x="6017496" y="1051295"/>
             <a:ext cx="990977" cy="307777"/>
           </a:xfrm>
           <a:prstGeom prst="rect">
@@ -4075,6 +4075,305 @@
           </a:p>
         </p:txBody>
       </p:sp>
+      <p:cxnSp>
+        <p:nvCxnSpPr>
+          <p:cNvPr id="3" name="Straight Connector 2">
+            <a:extLst>
+              <a:ext uri="{FF2B5EF4-FFF2-40B4-BE49-F238E27FC236}">
+                <a16:creationId xmlns:a16="http://schemas.microsoft.com/office/drawing/2014/main" id="{83139B4D-0899-3946-957C-68B84F35DEC7}"/>
+              </a:ext>
+            </a:extLst>
+          </p:cNvPr>
+          <p:cNvCxnSpPr>
+            <a:cxnSpLocks/>
+          </p:cNvCxnSpPr>
+          <p:nvPr/>
+        </p:nvCxnSpPr>
+        <p:spPr>
+          <a:xfrm>
+            <a:off x="3115340" y="2424223"/>
+            <a:ext cx="159488" cy="1031358"/>
+          </a:xfrm>
+          <a:prstGeom prst="line">
+            <a:avLst/>
+          </a:prstGeom>
+          <a:ln w="22225">
+            <a:solidFill>
+              <a:schemeClr val="tx1"/>
+            </a:solidFill>
+          </a:ln>
+        </p:spPr>
+        <p:style>
+          <a:lnRef idx="1">
+            <a:schemeClr val="accent1"/>
+          </a:lnRef>
+          <a:fillRef idx="0">
+            <a:schemeClr val="accent1"/>
+          </a:fillRef>
+          <a:effectRef idx="0">
+            <a:schemeClr val="accent1"/>
+          </a:effectRef>
+          <a:fontRef idx="minor">
+            <a:schemeClr val="tx1"/>
+          </a:fontRef>
+        </p:style>
+      </p:cxnSp>
+      <p:cxnSp>
+        <p:nvCxnSpPr>
+          <p:cNvPr id="32" name="Straight Connector 31">
+            <a:extLst>
+              <a:ext uri="{FF2B5EF4-FFF2-40B4-BE49-F238E27FC236}">
+                <a16:creationId xmlns:a16="http://schemas.microsoft.com/office/drawing/2014/main" id="{08554DFC-B2CD-5147-908A-6E4BDCDB41AF}"/>
+              </a:ext>
+            </a:extLst>
+          </p:cNvPr>
+          <p:cNvCxnSpPr/>
+          <p:nvPr/>
+        </p:nvCxnSpPr>
+        <p:spPr>
+          <a:xfrm>
+            <a:off x="4479851" y="1736651"/>
+            <a:ext cx="318977" cy="1052623"/>
+          </a:xfrm>
+          <a:prstGeom prst="line">
+            <a:avLst/>
+          </a:prstGeom>
+          <a:ln w="22225">
+            <a:solidFill>
+              <a:schemeClr val="tx1"/>
+            </a:solidFill>
+          </a:ln>
+        </p:spPr>
+        <p:style>
+          <a:lnRef idx="1">
+            <a:schemeClr val="accent1"/>
+          </a:lnRef>
+          <a:fillRef idx="0">
+            <a:schemeClr val="accent1"/>
+          </a:fillRef>
+          <a:effectRef idx="0">
+            <a:schemeClr val="accent1"/>
+          </a:effectRef>
+          <a:fontRef idx="minor">
+            <a:schemeClr val="tx1"/>
+          </a:fontRef>
+        </p:style>
+      </p:cxnSp>
+      <p:cxnSp>
+        <p:nvCxnSpPr>
+          <p:cNvPr id="33" name="Straight Connector 32">
+            <a:extLst>
+              <a:ext uri="{FF2B5EF4-FFF2-40B4-BE49-F238E27FC236}">
+                <a16:creationId xmlns:a16="http://schemas.microsoft.com/office/drawing/2014/main" id="{3C698BC5-B76E-2A42-84C4-DDDDCBD93D9C}"/>
+              </a:ext>
+            </a:extLst>
+          </p:cNvPr>
+          <p:cNvCxnSpPr>
+            <a:cxnSpLocks/>
+          </p:cNvCxnSpPr>
+          <p:nvPr/>
+        </p:nvCxnSpPr>
+        <p:spPr>
+          <a:xfrm>
+            <a:off x="1190847" y="3296093"/>
+            <a:ext cx="365051" cy="1088064"/>
+          </a:xfrm>
+          <a:prstGeom prst="line">
+            <a:avLst/>
+          </a:prstGeom>
+          <a:ln w="22225">
+            <a:solidFill>
+              <a:schemeClr val="tx1"/>
+            </a:solidFill>
+          </a:ln>
+        </p:spPr>
+        <p:style>
+          <a:lnRef idx="1">
+            <a:schemeClr val="accent1"/>
+          </a:lnRef>
+          <a:fillRef idx="0">
+            <a:schemeClr val="accent1"/>
+          </a:fillRef>
+          <a:effectRef idx="0">
+            <a:schemeClr val="accent1"/>
+          </a:effectRef>
+          <a:fontRef idx="minor">
+            <a:schemeClr val="tx1"/>
+          </a:fontRef>
+        </p:style>
+      </p:cxnSp>
+      <p:cxnSp>
+        <p:nvCxnSpPr>
+          <p:cNvPr id="38" name="Straight Connector 37">
+            <a:extLst>
+              <a:ext uri="{FF2B5EF4-FFF2-40B4-BE49-F238E27FC236}">
+                <a16:creationId xmlns:a16="http://schemas.microsoft.com/office/drawing/2014/main" id="{D6C63012-FF90-EB44-9B1F-72DB4900494B}"/>
+              </a:ext>
+            </a:extLst>
+          </p:cNvPr>
+          <p:cNvCxnSpPr>
+            <a:cxnSpLocks/>
+          </p:cNvCxnSpPr>
+          <p:nvPr/>
+        </p:nvCxnSpPr>
+        <p:spPr>
+          <a:xfrm>
+            <a:off x="7077740" y="5068186"/>
+            <a:ext cx="99237" cy="652130"/>
+          </a:xfrm>
+          <a:prstGeom prst="line">
+            <a:avLst/>
+          </a:prstGeom>
+          <a:ln w="22225">
+            <a:solidFill>
+              <a:schemeClr val="tx1"/>
+            </a:solidFill>
+          </a:ln>
+        </p:spPr>
+        <p:style>
+          <a:lnRef idx="1">
+            <a:schemeClr val="accent1"/>
+          </a:lnRef>
+          <a:fillRef idx="0">
+            <a:schemeClr val="accent1"/>
+          </a:fillRef>
+          <a:effectRef idx="0">
+            <a:schemeClr val="accent1"/>
+          </a:effectRef>
+          <a:fontRef idx="minor">
+            <a:schemeClr val="tx1"/>
+          </a:fontRef>
+        </p:style>
+      </p:cxnSp>
+      <p:cxnSp>
+        <p:nvCxnSpPr>
+          <p:cNvPr id="42" name="Straight Connector 41">
+            <a:extLst>
+              <a:ext uri="{FF2B5EF4-FFF2-40B4-BE49-F238E27FC236}">
+                <a16:creationId xmlns:a16="http://schemas.microsoft.com/office/drawing/2014/main" id="{A9A70424-0D54-2D48-B610-A9847A26F5A7}"/>
+              </a:ext>
+            </a:extLst>
+          </p:cNvPr>
+          <p:cNvCxnSpPr>
+            <a:cxnSpLocks/>
+          </p:cNvCxnSpPr>
+          <p:nvPr/>
+        </p:nvCxnSpPr>
+        <p:spPr>
+          <a:xfrm flipH="1">
+            <a:off x="2721934" y="4784650"/>
+            <a:ext cx="106326" cy="691116"/>
+          </a:xfrm>
+          <a:prstGeom prst="line">
+            <a:avLst/>
+          </a:prstGeom>
+          <a:ln w="22225">
+            <a:solidFill>
+              <a:schemeClr val="tx1"/>
+            </a:solidFill>
+          </a:ln>
+        </p:spPr>
+        <p:style>
+          <a:lnRef idx="1">
+            <a:schemeClr val="accent1"/>
+          </a:lnRef>
+          <a:fillRef idx="0">
+            <a:schemeClr val="accent1"/>
+          </a:fillRef>
+          <a:effectRef idx="0">
+            <a:schemeClr val="accent1"/>
+          </a:effectRef>
+          <a:fontRef idx="minor">
+            <a:schemeClr val="tx1"/>
+          </a:fontRef>
+        </p:style>
+      </p:cxnSp>
+      <p:cxnSp>
+        <p:nvCxnSpPr>
+          <p:cNvPr id="43" name="Straight Connector 42">
+            <a:extLst>
+              <a:ext uri="{FF2B5EF4-FFF2-40B4-BE49-F238E27FC236}">
+                <a16:creationId xmlns:a16="http://schemas.microsoft.com/office/drawing/2014/main" id="{04393CD8-8CEA-0742-BB49-74E0E29929A0}"/>
+              </a:ext>
+            </a:extLst>
+          </p:cNvPr>
+          <p:cNvCxnSpPr>
+            <a:cxnSpLocks/>
+          </p:cNvCxnSpPr>
+          <p:nvPr/>
+        </p:nvCxnSpPr>
+        <p:spPr>
+          <a:xfrm flipH="1">
+            <a:off x="8201246" y="1924493"/>
+            <a:ext cx="134680" cy="577701"/>
+          </a:xfrm>
+          <a:prstGeom prst="line">
+            <a:avLst/>
+          </a:prstGeom>
+          <a:ln w="22225">
+            <a:solidFill>
+              <a:schemeClr val="tx1"/>
+            </a:solidFill>
+          </a:ln>
+        </p:spPr>
+        <p:style>
+          <a:lnRef idx="1">
+            <a:schemeClr val="accent1"/>
+          </a:lnRef>
+          <a:fillRef idx="0">
+            <a:schemeClr val="accent1"/>
+          </a:fillRef>
+          <a:effectRef idx="0">
+            <a:schemeClr val="accent1"/>
+          </a:effectRef>
+          <a:fontRef idx="minor">
+            <a:schemeClr val="tx1"/>
+          </a:fontRef>
+        </p:style>
+      </p:cxnSp>
+      <p:cxnSp>
+        <p:nvCxnSpPr>
+          <p:cNvPr id="44" name="Straight Connector 43">
+            <a:extLst>
+              <a:ext uri="{FF2B5EF4-FFF2-40B4-BE49-F238E27FC236}">
+                <a16:creationId xmlns:a16="http://schemas.microsoft.com/office/drawing/2014/main" id="{A5579C21-1007-9947-AA13-D42B80416DF1}"/>
+              </a:ext>
+            </a:extLst>
+          </p:cNvPr>
+          <p:cNvCxnSpPr>
+            <a:cxnSpLocks/>
+          </p:cNvCxnSpPr>
+          <p:nvPr/>
+        </p:nvCxnSpPr>
+        <p:spPr>
+          <a:xfrm flipH="1">
+            <a:off x="6152707" y="1371600"/>
+            <a:ext cx="88605" cy="368594"/>
+          </a:xfrm>
+          <a:prstGeom prst="line">
+            <a:avLst/>
+          </a:prstGeom>
+          <a:ln w="22225">
+            <a:solidFill>
+              <a:schemeClr val="tx1"/>
+            </a:solidFill>
+          </a:ln>
+        </p:spPr>
+        <p:style>
+          <a:lnRef idx="1">
+            <a:schemeClr val="accent1"/>
+          </a:lnRef>
+          <a:fillRef idx="0">
+            <a:schemeClr val="accent1"/>
+          </a:fillRef>
+          <a:effectRef idx="0">
+            <a:schemeClr val="accent1"/>
+          </a:effectRef>
+          <a:fontRef idx="minor">
+            <a:schemeClr val="tx1"/>
+          </a:fontRef>
+        </p:style>
+      </p:cxnSp>
     </p:spTree>
     <p:extLst>
       <p:ext uri="{BB962C8B-B14F-4D97-AF65-F5344CB8AC3E}">
@@ -4861,7 +5160,7 @@
         </p:nvSpPr>
         <p:spPr>
           <a:xfrm>
-            <a:off x="2594610" y="2251710"/>
+            <a:off x="2860424" y="1252249"/>
             <a:ext cx="2412840" cy="461665"/>
           </a:xfrm>
           <a:prstGeom prst="rect">
@@ -4935,7 +5234,7 @@
         </p:nvSpPr>
         <p:spPr>
           <a:xfrm>
-            <a:off x="6073140" y="5238750"/>
+            <a:off x="6030609" y="5695950"/>
             <a:ext cx="2858475" cy="461665"/>
           </a:xfrm>
           <a:prstGeom prst="rect">
@@ -4972,7 +5271,7 @@
         </p:nvSpPr>
         <p:spPr>
           <a:xfrm>
-            <a:off x="7797156" y="1596390"/>
+            <a:off x="7797156" y="1479432"/>
             <a:ext cx="1346844" cy="461665"/>
           </a:xfrm>
           <a:prstGeom prst="rect">
@@ -5009,7 +5308,7 @@
         </p:nvSpPr>
         <p:spPr>
           <a:xfrm>
-            <a:off x="3303270" y="4080510"/>
+            <a:off x="3111884" y="4037980"/>
             <a:ext cx="2941831" cy="461665"/>
           </a:xfrm>
           <a:prstGeom prst="rect">
@@ -5046,7 +5345,7 @@
         </p:nvSpPr>
         <p:spPr>
           <a:xfrm>
-            <a:off x="0" y="3600450"/>
+            <a:off x="0" y="2845539"/>
             <a:ext cx="2044149" cy="461665"/>
           </a:xfrm>
           <a:prstGeom prst="rect">
@@ -5083,7 +5382,7 @@
         </p:nvSpPr>
         <p:spPr>
           <a:xfrm>
-            <a:off x="2228850" y="5109210"/>
+            <a:off x="1601529" y="5470717"/>
             <a:ext cx="2858475" cy="461665"/>
           </a:xfrm>
           <a:prstGeom prst="rect">
@@ -5120,7 +5419,7 @@
         </p:nvSpPr>
         <p:spPr>
           <a:xfrm>
-            <a:off x="1474470" y="2754630"/>
+            <a:off x="1740284" y="1914658"/>
             <a:ext cx="2044149" cy="461665"/>
           </a:xfrm>
           <a:prstGeom prst="rect">
@@ -5157,7 +5456,7 @@
         </p:nvSpPr>
         <p:spPr>
           <a:xfrm>
-            <a:off x="6179820" y="3985260"/>
+            <a:off x="6541327" y="3953363"/>
             <a:ext cx="1811714" cy="461665"/>
           </a:xfrm>
           <a:prstGeom prst="rect">
@@ -5248,7 +5547,7 @@
         </p:nvSpPr>
         <p:spPr>
           <a:xfrm>
-            <a:off x="5817870" y="1154430"/>
+            <a:off x="5849768" y="941779"/>
             <a:ext cx="2044149" cy="461665"/>
           </a:xfrm>
           <a:prstGeom prst="rect">
@@ -5345,6 +5644,305 @@
           </a:p>
         </p:txBody>
       </p:sp>
+      <p:cxnSp>
+        <p:nvCxnSpPr>
+          <p:cNvPr id="30" name="Straight Connector 29">
+            <a:extLst>
+              <a:ext uri="{FF2B5EF4-FFF2-40B4-BE49-F238E27FC236}">
+                <a16:creationId xmlns:a16="http://schemas.microsoft.com/office/drawing/2014/main" id="{DE14EDC9-50D2-264B-A62E-14074A710741}"/>
+              </a:ext>
+            </a:extLst>
+          </p:cNvPr>
+          <p:cNvCxnSpPr>
+            <a:cxnSpLocks/>
+          </p:cNvCxnSpPr>
+          <p:nvPr/>
+        </p:nvCxnSpPr>
+        <p:spPr>
+          <a:xfrm>
+            <a:off x="3115340" y="2424223"/>
+            <a:ext cx="159488" cy="1031358"/>
+          </a:xfrm>
+          <a:prstGeom prst="line">
+            <a:avLst/>
+          </a:prstGeom>
+          <a:ln w="22225">
+            <a:solidFill>
+              <a:schemeClr val="tx1"/>
+            </a:solidFill>
+          </a:ln>
+        </p:spPr>
+        <p:style>
+          <a:lnRef idx="1">
+            <a:schemeClr val="accent1"/>
+          </a:lnRef>
+          <a:fillRef idx="0">
+            <a:schemeClr val="accent1"/>
+          </a:fillRef>
+          <a:effectRef idx="0">
+            <a:schemeClr val="accent1"/>
+          </a:effectRef>
+          <a:fontRef idx="minor">
+            <a:schemeClr val="tx1"/>
+          </a:fontRef>
+        </p:style>
+      </p:cxnSp>
+      <p:cxnSp>
+        <p:nvCxnSpPr>
+          <p:cNvPr id="31" name="Straight Connector 30">
+            <a:extLst>
+              <a:ext uri="{FF2B5EF4-FFF2-40B4-BE49-F238E27FC236}">
+                <a16:creationId xmlns:a16="http://schemas.microsoft.com/office/drawing/2014/main" id="{EFAF056F-DD98-1743-975D-008CD033856A}"/>
+              </a:ext>
+            </a:extLst>
+          </p:cNvPr>
+          <p:cNvCxnSpPr/>
+          <p:nvPr/>
+        </p:nvCxnSpPr>
+        <p:spPr>
+          <a:xfrm>
+            <a:off x="4479851" y="1736651"/>
+            <a:ext cx="318977" cy="1052623"/>
+          </a:xfrm>
+          <a:prstGeom prst="line">
+            <a:avLst/>
+          </a:prstGeom>
+          <a:ln w="22225">
+            <a:solidFill>
+              <a:schemeClr val="tx1"/>
+            </a:solidFill>
+          </a:ln>
+        </p:spPr>
+        <p:style>
+          <a:lnRef idx="1">
+            <a:schemeClr val="accent1"/>
+          </a:lnRef>
+          <a:fillRef idx="0">
+            <a:schemeClr val="accent1"/>
+          </a:fillRef>
+          <a:effectRef idx="0">
+            <a:schemeClr val="accent1"/>
+          </a:effectRef>
+          <a:fontRef idx="minor">
+            <a:schemeClr val="tx1"/>
+          </a:fontRef>
+        </p:style>
+      </p:cxnSp>
+      <p:cxnSp>
+        <p:nvCxnSpPr>
+          <p:cNvPr id="32" name="Straight Connector 31">
+            <a:extLst>
+              <a:ext uri="{FF2B5EF4-FFF2-40B4-BE49-F238E27FC236}">
+                <a16:creationId xmlns:a16="http://schemas.microsoft.com/office/drawing/2014/main" id="{EC4748B1-9D49-BF40-9D8A-DF6910C38280}"/>
+              </a:ext>
+            </a:extLst>
+          </p:cNvPr>
+          <p:cNvCxnSpPr>
+            <a:cxnSpLocks/>
+          </p:cNvCxnSpPr>
+          <p:nvPr/>
+        </p:nvCxnSpPr>
+        <p:spPr>
+          <a:xfrm>
+            <a:off x="1190847" y="3296093"/>
+            <a:ext cx="365051" cy="1088064"/>
+          </a:xfrm>
+          <a:prstGeom prst="line">
+            <a:avLst/>
+          </a:prstGeom>
+          <a:ln w="22225">
+            <a:solidFill>
+              <a:schemeClr val="tx1"/>
+            </a:solidFill>
+          </a:ln>
+        </p:spPr>
+        <p:style>
+          <a:lnRef idx="1">
+            <a:schemeClr val="accent1"/>
+          </a:lnRef>
+          <a:fillRef idx="0">
+            <a:schemeClr val="accent1"/>
+          </a:fillRef>
+          <a:effectRef idx="0">
+            <a:schemeClr val="accent1"/>
+          </a:effectRef>
+          <a:fontRef idx="minor">
+            <a:schemeClr val="tx1"/>
+          </a:fontRef>
+        </p:style>
+      </p:cxnSp>
+      <p:cxnSp>
+        <p:nvCxnSpPr>
+          <p:cNvPr id="34" name="Straight Connector 33">
+            <a:extLst>
+              <a:ext uri="{FF2B5EF4-FFF2-40B4-BE49-F238E27FC236}">
+                <a16:creationId xmlns:a16="http://schemas.microsoft.com/office/drawing/2014/main" id="{590A9A88-F587-1C4E-A261-429CE6682548}"/>
+              </a:ext>
+            </a:extLst>
+          </p:cNvPr>
+          <p:cNvCxnSpPr>
+            <a:cxnSpLocks/>
+          </p:cNvCxnSpPr>
+          <p:nvPr/>
+        </p:nvCxnSpPr>
+        <p:spPr>
+          <a:xfrm>
+            <a:off x="7077740" y="5068186"/>
+            <a:ext cx="99237" cy="652130"/>
+          </a:xfrm>
+          <a:prstGeom prst="line">
+            <a:avLst/>
+          </a:prstGeom>
+          <a:ln w="22225">
+            <a:solidFill>
+              <a:schemeClr val="tx1"/>
+            </a:solidFill>
+          </a:ln>
+        </p:spPr>
+        <p:style>
+          <a:lnRef idx="1">
+            <a:schemeClr val="accent1"/>
+          </a:lnRef>
+          <a:fillRef idx="0">
+            <a:schemeClr val="accent1"/>
+          </a:fillRef>
+          <a:effectRef idx="0">
+            <a:schemeClr val="accent1"/>
+          </a:effectRef>
+          <a:fontRef idx="minor">
+            <a:schemeClr val="tx1"/>
+          </a:fontRef>
+        </p:style>
+      </p:cxnSp>
+      <p:cxnSp>
+        <p:nvCxnSpPr>
+          <p:cNvPr id="35" name="Straight Connector 34">
+            <a:extLst>
+              <a:ext uri="{FF2B5EF4-FFF2-40B4-BE49-F238E27FC236}">
+                <a16:creationId xmlns:a16="http://schemas.microsoft.com/office/drawing/2014/main" id="{E65C7B9A-D713-B940-B349-863D1E4605B5}"/>
+              </a:ext>
+            </a:extLst>
+          </p:cNvPr>
+          <p:cNvCxnSpPr>
+            <a:cxnSpLocks/>
+          </p:cNvCxnSpPr>
+          <p:nvPr/>
+        </p:nvCxnSpPr>
+        <p:spPr>
+          <a:xfrm flipH="1">
+            <a:off x="2721934" y="4784650"/>
+            <a:ext cx="106326" cy="691116"/>
+          </a:xfrm>
+          <a:prstGeom prst="line">
+            <a:avLst/>
+          </a:prstGeom>
+          <a:ln w="22225">
+            <a:solidFill>
+              <a:schemeClr val="tx1"/>
+            </a:solidFill>
+          </a:ln>
+        </p:spPr>
+        <p:style>
+          <a:lnRef idx="1">
+            <a:schemeClr val="accent1"/>
+          </a:lnRef>
+          <a:fillRef idx="0">
+            <a:schemeClr val="accent1"/>
+          </a:fillRef>
+          <a:effectRef idx="0">
+            <a:schemeClr val="accent1"/>
+          </a:effectRef>
+          <a:fontRef idx="minor">
+            <a:schemeClr val="tx1"/>
+          </a:fontRef>
+        </p:style>
+      </p:cxnSp>
+      <p:cxnSp>
+        <p:nvCxnSpPr>
+          <p:cNvPr id="36" name="Straight Connector 35">
+            <a:extLst>
+              <a:ext uri="{FF2B5EF4-FFF2-40B4-BE49-F238E27FC236}">
+                <a16:creationId xmlns:a16="http://schemas.microsoft.com/office/drawing/2014/main" id="{2E868468-0C12-FA44-8B44-347DE0EBB6FA}"/>
+              </a:ext>
+            </a:extLst>
+          </p:cNvPr>
+          <p:cNvCxnSpPr>
+            <a:cxnSpLocks/>
+          </p:cNvCxnSpPr>
+          <p:nvPr/>
+        </p:nvCxnSpPr>
+        <p:spPr>
+          <a:xfrm flipH="1">
+            <a:off x="8201246" y="1924493"/>
+            <a:ext cx="134680" cy="577701"/>
+          </a:xfrm>
+          <a:prstGeom prst="line">
+            <a:avLst/>
+          </a:prstGeom>
+          <a:ln w="22225">
+            <a:solidFill>
+              <a:schemeClr val="tx1"/>
+            </a:solidFill>
+          </a:ln>
+        </p:spPr>
+        <p:style>
+          <a:lnRef idx="1">
+            <a:schemeClr val="accent1"/>
+          </a:lnRef>
+          <a:fillRef idx="0">
+            <a:schemeClr val="accent1"/>
+          </a:fillRef>
+          <a:effectRef idx="0">
+            <a:schemeClr val="accent1"/>
+          </a:effectRef>
+          <a:fontRef idx="minor">
+            <a:schemeClr val="tx1"/>
+          </a:fontRef>
+        </p:style>
+      </p:cxnSp>
+      <p:cxnSp>
+        <p:nvCxnSpPr>
+          <p:cNvPr id="38" name="Straight Connector 37">
+            <a:extLst>
+              <a:ext uri="{FF2B5EF4-FFF2-40B4-BE49-F238E27FC236}">
+                <a16:creationId xmlns:a16="http://schemas.microsoft.com/office/drawing/2014/main" id="{460705FC-17C1-704E-A1E6-9CB8FB2F5646}"/>
+              </a:ext>
+            </a:extLst>
+          </p:cNvPr>
+          <p:cNvCxnSpPr>
+            <a:cxnSpLocks/>
+          </p:cNvCxnSpPr>
+          <p:nvPr/>
+        </p:nvCxnSpPr>
+        <p:spPr>
+          <a:xfrm flipH="1">
+            <a:off x="6152707" y="1371600"/>
+            <a:ext cx="88605" cy="368594"/>
+          </a:xfrm>
+          <a:prstGeom prst="line">
+            <a:avLst/>
+          </a:prstGeom>
+          <a:ln w="22225">
+            <a:solidFill>
+              <a:schemeClr val="tx1"/>
+            </a:solidFill>
+          </a:ln>
+        </p:spPr>
+        <p:style>
+          <a:lnRef idx="1">
+            <a:schemeClr val="accent1"/>
+          </a:lnRef>
+          <a:fillRef idx="0">
+            <a:schemeClr val="accent1"/>
+          </a:fillRef>
+          <a:effectRef idx="0">
+            <a:schemeClr val="accent1"/>
+          </a:effectRef>
+          <a:fontRef idx="minor">
+            <a:schemeClr val="tx1"/>
+          </a:fontRef>
+        </p:style>
+      </p:cxnSp>
     </p:spTree>
     <p:extLst>
       <p:ext uri="{BB962C8B-B14F-4D97-AF65-F5344CB8AC3E}">

--- a/assets/tactile_image_files/0078-major_cities_in_Kentucky/0078-major_cities_in_Kentucky.pptx
+++ b/assets/tactile_image_files/0078-major_cities_in_Kentucky/0078-major_cities_in_Kentucky.pptx
@@ -248,7 +248,7 @@
       <p15:sldGuideLst xmlns:p15="http://schemas.microsoft.com/office/powerpoint/2012/main"/>
     </p:ext>
     <p:ext uri="http://customooxmlschemas.google.com/">
-      <go:slidesCustomData xmlns="" xmlns:mc="http://schemas.openxmlformats.org/markup-compatibility/2006" xmlns:mv="urn:schemas-microsoft-com:mac:vml" xmlns:c="http://schemas.openxmlformats.org/drawingml/2006/chart" xmlns:dgm="http://schemas.openxmlformats.org/drawingml/2006/diagram" xmlns:o="urn:schemas-microsoft-com:office:office" xmlns:v="urn:schemas-microsoft-com:vml" xmlns:pvml="urn:schemas-microsoft-com:office:powerpoint" xmlns:com="http://schemas.openxmlformats.org/drawingml/2006/compatibility" xmlns:p14="http://schemas.microsoft.com/office/powerpoint/2010/main" xmlns:p15="http://schemas.microsoft.com/office/powerpoint/2012/main" xmlns:ahyp="http://schemas.microsoft.com/office/drawing/2018/hyperlinkcolor" xmlns:go="http://customooxmlschemas.google.com/" r:id="rId8" roundtripDataSignature="AMtx7miCbiNEuBvuJRVxfRUClLVjUGnHXw=="/>
+      <go:slidesCustomData xmlns:go="http://customooxmlschemas.google.com/" xmlns:ahyp="http://schemas.microsoft.com/office/drawing/2018/hyperlinkcolor" xmlns:p15="http://schemas.microsoft.com/office/powerpoint/2012/main" xmlns:p14="http://schemas.microsoft.com/office/powerpoint/2010/main" xmlns:com="http://schemas.openxmlformats.org/drawingml/2006/compatibility" xmlns:pvml="urn:schemas-microsoft-com:office:powerpoint" xmlns:v="urn:schemas-microsoft-com:vml" xmlns:o="urn:schemas-microsoft-com:office:office" xmlns:dgm="http://schemas.openxmlformats.org/drawingml/2006/diagram" xmlns:c="http://schemas.openxmlformats.org/drawingml/2006/chart" xmlns:mv="urn:schemas-microsoft-com:mac:vml" xmlns:mc="http://schemas.openxmlformats.org/markup-compatibility/2006" xmlns="" r:id="rId8" roundtripDataSignature="AMtx7miCbiNEuBvuJRVxfRUClLVjUGnHXw=="/>
     </p:ext>
   </p:extLst>
 </p:presentation>
